--- a/Documents/WebServerDiagram.pptx
+++ b/Documents/WebServerDiagram.pptx
@@ -104,6 +104,11 @@
       </a:defRPr>
     </a:lvl9pPr>
   </p:defaultTextStyle>
+  <p:extLst>
+    <p:ext uri="{EFAFB233-063F-42B5-8137-9DF3F51BA10A}">
+      <p15:sldGuideLst xmlns:p15="http://schemas.microsoft.com/office/powerpoint/2012/main"/>
+    </p:ext>
+  </p:extLst>
 </p:presentation>
 </file>
 
@@ -254,7 +259,7 @@
           <a:p>
             <a:fld id="{F37ED0BB-2802-495E-894F-47547CF41357}" type="datetimeFigureOut">
               <a:rPr lang="en-US" smtClean="0"/>
-              <a:t>9/14/2020</a:t>
+              <a:t>10/24/2020</a:t>
             </a:fld>
             <a:endParaRPr lang="en-US"/>
           </a:p>
@@ -452,7 +457,7 @@
           <a:p>
             <a:fld id="{F37ED0BB-2802-495E-894F-47547CF41357}" type="datetimeFigureOut">
               <a:rPr lang="en-US" smtClean="0"/>
-              <a:t>9/14/2020</a:t>
+              <a:t>10/24/2020</a:t>
             </a:fld>
             <a:endParaRPr lang="en-US"/>
           </a:p>
@@ -660,7 +665,7 @@
           <a:p>
             <a:fld id="{F37ED0BB-2802-495E-894F-47547CF41357}" type="datetimeFigureOut">
               <a:rPr lang="en-US" smtClean="0"/>
-              <a:t>9/14/2020</a:t>
+              <a:t>10/24/2020</a:t>
             </a:fld>
             <a:endParaRPr lang="en-US"/>
           </a:p>
@@ -858,7 +863,7 @@
           <a:p>
             <a:fld id="{F37ED0BB-2802-495E-894F-47547CF41357}" type="datetimeFigureOut">
               <a:rPr lang="en-US" smtClean="0"/>
-              <a:t>9/14/2020</a:t>
+              <a:t>10/24/2020</a:t>
             </a:fld>
             <a:endParaRPr lang="en-US"/>
           </a:p>
@@ -1133,7 +1138,7 @@
           <a:p>
             <a:fld id="{F37ED0BB-2802-495E-894F-47547CF41357}" type="datetimeFigureOut">
               <a:rPr lang="en-US" smtClean="0"/>
-              <a:t>9/14/2020</a:t>
+              <a:t>10/24/2020</a:t>
             </a:fld>
             <a:endParaRPr lang="en-US"/>
           </a:p>
@@ -1398,7 +1403,7 @@
           <a:p>
             <a:fld id="{F37ED0BB-2802-495E-894F-47547CF41357}" type="datetimeFigureOut">
               <a:rPr lang="en-US" smtClean="0"/>
-              <a:t>9/14/2020</a:t>
+              <a:t>10/24/2020</a:t>
             </a:fld>
             <a:endParaRPr lang="en-US"/>
           </a:p>
@@ -1810,7 +1815,7 @@
           <a:p>
             <a:fld id="{F37ED0BB-2802-495E-894F-47547CF41357}" type="datetimeFigureOut">
               <a:rPr lang="en-US" smtClean="0"/>
-              <a:t>9/14/2020</a:t>
+              <a:t>10/24/2020</a:t>
             </a:fld>
             <a:endParaRPr lang="en-US"/>
           </a:p>
@@ -1951,7 +1956,7 @@
           <a:p>
             <a:fld id="{F37ED0BB-2802-495E-894F-47547CF41357}" type="datetimeFigureOut">
               <a:rPr lang="en-US" smtClean="0"/>
-              <a:t>9/14/2020</a:t>
+              <a:t>10/24/2020</a:t>
             </a:fld>
             <a:endParaRPr lang="en-US"/>
           </a:p>
@@ -2064,7 +2069,7 @@
           <a:p>
             <a:fld id="{F37ED0BB-2802-495E-894F-47547CF41357}" type="datetimeFigureOut">
               <a:rPr lang="en-US" smtClean="0"/>
-              <a:t>9/14/2020</a:t>
+              <a:t>10/24/2020</a:t>
             </a:fld>
             <a:endParaRPr lang="en-US"/>
           </a:p>
@@ -2375,7 +2380,7 @@
           <a:p>
             <a:fld id="{F37ED0BB-2802-495E-894F-47547CF41357}" type="datetimeFigureOut">
               <a:rPr lang="en-US" smtClean="0"/>
-              <a:t>9/14/2020</a:t>
+              <a:t>10/24/2020</a:t>
             </a:fld>
             <a:endParaRPr lang="en-US"/>
           </a:p>
@@ -2663,7 +2668,7 @@
           <a:p>
             <a:fld id="{F37ED0BB-2802-495E-894F-47547CF41357}" type="datetimeFigureOut">
               <a:rPr lang="en-US" smtClean="0"/>
-              <a:t>9/14/2020</a:t>
+              <a:t>10/24/2020</a:t>
             </a:fld>
             <a:endParaRPr lang="en-US"/>
           </a:p>
@@ -2904,7 +2909,7 @@
           <a:p>
             <a:fld id="{F37ED0BB-2802-495E-894F-47547CF41357}" type="datetimeFigureOut">
               <a:rPr lang="en-US" smtClean="0"/>
-              <a:t>9/14/2020</a:t>
+              <a:t>10/24/2020</a:t>
             </a:fld>
             <a:endParaRPr lang="en-US"/>
           </a:p>
@@ -3414,8 +3419,8 @@
             <a:avLst/>
           </a:prstGeom>
           <a:ln>
-            <a:headEnd type="none" w="med" len="med"/>
-            <a:tailEnd type="arrow" w="med" len="med"/>
+            <a:headEnd type="arrow" w="med" len="med"/>
+            <a:tailEnd type="none" w="med" len="med"/>
           </a:ln>
         </p:spPr>
         <p:style>
@@ -3454,8 +3459,8 @@
             <a:avLst/>
           </a:prstGeom>
           <a:ln>
-            <a:headEnd type="arrow" w="med" len="med"/>
-            <a:tailEnd type="none" w="med" len="med"/>
+            <a:headEnd type="none" w="med" len="med"/>
+            <a:tailEnd type="triangle" w="med" len="med"/>
           </a:ln>
         </p:spPr>
         <p:style>
@@ -3557,8 +3562,8 @@
         </p:nvSpPr>
         <p:spPr>
           <a:xfrm>
-            <a:off x="482411" y="3796131"/>
-            <a:ext cx="1030795" cy="307777"/>
+            <a:off x="310961" y="3796131"/>
+            <a:ext cx="1389996" cy="307777"/>
           </a:xfrm>
           <a:prstGeom prst="rect">
             <a:avLst/>
@@ -3573,7 +3578,7 @@
           <a:p>
             <a:r>
               <a:rPr lang="en-US" sz="1400" dirty="0"/>
-              <a:t>Web Server</a:t>
+              <a:t>Web Application</a:t>
             </a:r>
           </a:p>
         </p:txBody>
@@ -3782,8 +3787,8 @@
         </p:nvSpPr>
         <p:spPr>
           <a:xfrm>
-            <a:off x="1966481" y="6065339"/>
-            <a:ext cx="1374992" cy="307777"/>
+            <a:off x="2290331" y="6065339"/>
+            <a:ext cx="866904" cy="307777"/>
           </a:xfrm>
           <a:prstGeom prst="rect">
             <a:avLst/>
@@ -3798,7 +3803,7 @@
           <a:p>
             <a:r>
               <a:rPr lang="en-US" sz="1400" dirty="0"/>
-              <a:t>Database Server</a:t>
+              <a:t>Database</a:t>
             </a:r>
           </a:p>
         </p:txBody>

--- a/Documents/WebServerDiagram.pptx
+++ b/Documents/WebServerDiagram.pptx
@@ -259,7 +259,7 @@
           <a:p>
             <a:fld id="{F37ED0BB-2802-495E-894F-47547CF41357}" type="datetimeFigureOut">
               <a:rPr lang="en-US" smtClean="0"/>
-              <a:t>10/24/2020</a:t>
+              <a:t>3/11/2021</a:t>
             </a:fld>
             <a:endParaRPr lang="en-US"/>
           </a:p>
@@ -457,7 +457,7 @@
           <a:p>
             <a:fld id="{F37ED0BB-2802-495E-894F-47547CF41357}" type="datetimeFigureOut">
               <a:rPr lang="en-US" smtClean="0"/>
-              <a:t>10/24/2020</a:t>
+              <a:t>3/11/2021</a:t>
             </a:fld>
             <a:endParaRPr lang="en-US"/>
           </a:p>
@@ -665,7 +665,7 @@
           <a:p>
             <a:fld id="{F37ED0BB-2802-495E-894F-47547CF41357}" type="datetimeFigureOut">
               <a:rPr lang="en-US" smtClean="0"/>
-              <a:t>10/24/2020</a:t>
+              <a:t>3/11/2021</a:t>
             </a:fld>
             <a:endParaRPr lang="en-US"/>
           </a:p>
@@ -863,7 +863,7 @@
           <a:p>
             <a:fld id="{F37ED0BB-2802-495E-894F-47547CF41357}" type="datetimeFigureOut">
               <a:rPr lang="en-US" smtClean="0"/>
-              <a:t>10/24/2020</a:t>
+              <a:t>3/11/2021</a:t>
             </a:fld>
             <a:endParaRPr lang="en-US"/>
           </a:p>
@@ -1138,7 +1138,7 @@
           <a:p>
             <a:fld id="{F37ED0BB-2802-495E-894F-47547CF41357}" type="datetimeFigureOut">
               <a:rPr lang="en-US" smtClean="0"/>
-              <a:t>10/24/2020</a:t>
+              <a:t>3/11/2021</a:t>
             </a:fld>
             <a:endParaRPr lang="en-US"/>
           </a:p>
@@ -1403,7 +1403,7 @@
           <a:p>
             <a:fld id="{F37ED0BB-2802-495E-894F-47547CF41357}" type="datetimeFigureOut">
               <a:rPr lang="en-US" smtClean="0"/>
-              <a:t>10/24/2020</a:t>
+              <a:t>3/11/2021</a:t>
             </a:fld>
             <a:endParaRPr lang="en-US"/>
           </a:p>
@@ -1815,7 +1815,7 @@
           <a:p>
             <a:fld id="{F37ED0BB-2802-495E-894F-47547CF41357}" type="datetimeFigureOut">
               <a:rPr lang="en-US" smtClean="0"/>
-              <a:t>10/24/2020</a:t>
+              <a:t>3/11/2021</a:t>
             </a:fld>
             <a:endParaRPr lang="en-US"/>
           </a:p>
@@ -1956,7 +1956,7 @@
           <a:p>
             <a:fld id="{F37ED0BB-2802-495E-894F-47547CF41357}" type="datetimeFigureOut">
               <a:rPr lang="en-US" smtClean="0"/>
-              <a:t>10/24/2020</a:t>
+              <a:t>3/11/2021</a:t>
             </a:fld>
             <a:endParaRPr lang="en-US"/>
           </a:p>
@@ -2069,7 +2069,7 @@
           <a:p>
             <a:fld id="{F37ED0BB-2802-495E-894F-47547CF41357}" type="datetimeFigureOut">
               <a:rPr lang="en-US" smtClean="0"/>
-              <a:t>10/24/2020</a:t>
+              <a:t>3/11/2021</a:t>
             </a:fld>
             <a:endParaRPr lang="en-US"/>
           </a:p>
@@ -2380,7 +2380,7 @@
           <a:p>
             <a:fld id="{F37ED0BB-2802-495E-894F-47547CF41357}" type="datetimeFigureOut">
               <a:rPr lang="en-US" smtClean="0"/>
-              <a:t>10/24/2020</a:t>
+              <a:t>3/11/2021</a:t>
             </a:fld>
             <a:endParaRPr lang="en-US"/>
           </a:p>
@@ -2668,7 +2668,7 @@
           <a:p>
             <a:fld id="{F37ED0BB-2802-495E-894F-47547CF41357}" type="datetimeFigureOut">
               <a:rPr lang="en-US" smtClean="0"/>
-              <a:t>10/24/2020</a:t>
+              <a:t>3/11/2021</a:t>
             </a:fld>
             <a:endParaRPr lang="en-US"/>
           </a:p>
@@ -2909,7 +2909,7 @@
           <a:p>
             <a:fld id="{F37ED0BB-2802-495E-894F-47547CF41357}" type="datetimeFigureOut">
               <a:rPr lang="en-US" smtClean="0"/>
-              <a:t>10/24/2020</a:t>
+              <a:t>3/11/2021</a:t>
             </a:fld>
             <a:endParaRPr lang="en-US"/>
           </a:p>
@@ -3398,29 +3398,211 @@
           </a:prstGeom>
         </p:spPr>
       </p:pic>
+      <p:pic>
+        <p:nvPicPr>
+          <p:cNvPr id="17" name="Picture 16">
+            <a:extLst>
+              <a:ext uri="{FF2B5EF4-FFF2-40B4-BE49-F238E27FC236}">
+                <a16:creationId xmlns:a16="http://schemas.microsoft.com/office/drawing/2014/main" id="{FD4D96B7-0828-487B-86A6-506B812DEE95}"/>
+              </a:ext>
+            </a:extLst>
+          </p:cNvPr>
+          <p:cNvPicPr/>
+          <p:nvPr/>
+        </p:nvPicPr>
+        <p:blipFill rotWithShape="1">
+          <a:blip r:embed="rId4"/>
+          <a:srcRect l="1887" t="3535" r="1853" b="2277"/>
+          <a:stretch/>
+        </p:blipFill>
+        <p:spPr bwMode="auto">
+          <a:xfrm>
+            <a:off x="1603529" y="4691954"/>
+            <a:ext cx="2100897" cy="1373385"/>
+          </a:xfrm>
+          <a:prstGeom prst="rect">
+            <a:avLst/>
+          </a:prstGeom>
+          <a:ln>
+            <a:noFill/>
+          </a:ln>
+          <a:extLst>
+            <a:ext uri="{53640926-AAD7-44D8-BBD7-CCE9431645EC}">
+              <a14:shadowObscured xmlns:a14="http://schemas.microsoft.com/office/drawing/2010/main"/>
+            </a:ext>
+          </a:extLst>
+        </p:spPr>
+      </p:pic>
+      <p:pic>
+        <p:nvPicPr>
+          <p:cNvPr id="30" name="Picture 29">
+            <a:extLst>
+              <a:ext uri="{FF2B5EF4-FFF2-40B4-BE49-F238E27FC236}">
+                <a16:creationId xmlns:a16="http://schemas.microsoft.com/office/drawing/2014/main" id="{9A28681B-8406-4F57-9CD8-CCDF240E2AB9}"/>
+              </a:ext>
+            </a:extLst>
+          </p:cNvPr>
+          <p:cNvPicPr>
+            <a:picLocks noChangeAspect="1"/>
+          </p:cNvPicPr>
+          <p:nvPr/>
+        </p:nvPicPr>
+        <p:blipFill>
+          <a:blip r:embed="rId5">
+            <a:extLst>
+              <a:ext uri="{28A0092B-C50C-407E-A947-70E740481C1C}">
+                <a14:useLocalDpi xmlns:a14="http://schemas.microsoft.com/office/drawing/2010/main" val="0"/>
+              </a:ext>
+            </a:extLst>
+          </a:blip>
+          <a:stretch>
+            <a:fillRect/>
+          </a:stretch>
+        </p:blipFill>
+        <p:spPr>
+          <a:xfrm>
+            <a:off x="9453857" y="1749925"/>
+            <a:ext cx="1912138" cy="1912138"/>
+          </a:xfrm>
+          <a:prstGeom prst="rect">
+            <a:avLst/>
+          </a:prstGeom>
+        </p:spPr>
+      </p:pic>
+      <p:pic>
+        <p:nvPicPr>
+          <p:cNvPr id="32" name="Picture 31">
+            <a:extLst>
+              <a:ext uri="{FF2B5EF4-FFF2-40B4-BE49-F238E27FC236}">
+                <a16:creationId xmlns:a16="http://schemas.microsoft.com/office/drawing/2014/main" id="{23FDF476-D92C-4899-8581-3DB3475001BD}"/>
+              </a:ext>
+            </a:extLst>
+          </p:cNvPr>
+          <p:cNvPicPr>
+            <a:picLocks noChangeAspect="1"/>
+          </p:cNvPicPr>
+          <p:nvPr/>
+        </p:nvPicPr>
+        <p:blipFill>
+          <a:blip r:embed="rId6">
+            <a:extLst>
+              <a:ext uri="{28A0092B-C50C-407E-A947-70E740481C1C}">
+                <a14:useLocalDpi xmlns:a14="http://schemas.microsoft.com/office/drawing/2010/main" val="0"/>
+              </a:ext>
+            </a:extLst>
+          </a:blip>
+          <a:stretch>
+            <a:fillRect/>
+          </a:stretch>
+        </p:blipFill>
+        <p:spPr>
+          <a:xfrm>
+            <a:off x="9836755" y="2565406"/>
+            <a:ext cx="1146342" cy="526417"/>
+          </a:xfrm>
+          <a:prstGeom prst="rect">
+            <a:avLst/>
+          </a:prstGeom>
+        </p:spPr>
+      </p:pic>
+      <p:pic>
+        <p:nvPicPr>
+          <p:cNvPr id="40" name="Picture 39">
+            <a:extLst>
+              <a:ext uri="{FF2B5EF4-FFF2-40B4-BE49-F238E27FC236}">
+                <a16:creationId xmlns:a16="http://schemas.microsoft.com/office/drawing/2014/main" id="{9062642E-67FB-438F-9931-05D8FC1CB737}"/>
+              </a:ext>
+            </a:extLst>
+          </p:cNvPr>
+          <p:cNvPicPr>
+            <a:picLocks noChangeAspect="1"/>
+          </p:cNvPicPr>
+          <p:nvPr/>
+        </p:nvPicPr>
+        <p:blipFill>
+          <a:blip r:embed="rId7">
+            <a:extLst>
+              <a:ext uri="{28A0092B-C50C-407E-A947-70E740481C1C}">
+                <a14:useLocalDpi xmlns:a14="http://schemas.microsoft.com/office/drawing/2010/main" val="0"/>
+              </a:ext>
+            </a:extLst>
+          </a:blip>
+          <a:stretch>
+            <a:fillRect/>
+          </a:stretch>
+        </p:blipFill>
+        <p:spPr>
+          <a:xfrm>
+            <a:off x="9034767" y="4248101"/>
+            <a:ext cx="2630765" cy="1912138"/>
+          </a:xfrm>
+          <a:prstGeom prst="rect">
+            <a:avLst/>
+          </a:prstGeom>
+        </p:spPr>
+      </p:pic>
+      <p:pic>
+        <p:nvPicPr>
+          <p:cNvPr id="38" name="Picture 37">
+            <a:extLst>
+              <a:ext uri="{FF2B5EF4-FFF2-40B4-BE49-F238E27FC236}">
+                <a16:creationId xmlns:a16="http://schemas.microsoft.com/office/drawing/2014/main" id="{048EA44D-61D7-43EE-AA6E-658DB8C32A15}"/>
+              </a:ext>
+            </a:extLst>
+          </p:cNvPr>
+          <p:cNvPicPr>
+            <a:picLocks noChangeAspect="1"/>
+          </p:cNvPicPr>
+          <p:nvPr/>
+        </p:nvPicPr>
+        <p:blipFill>
+          <a:blip r:embed="rId8">
+            <a:extLst>
+              <a:ext uri="{28A0092B-C50C-407E-A947-70E740481C1C}">
+                <a14:useLocalDpi xmlns:a14="http://schemas.microsoft.com/office/drawing/2010/main" val="0"/>
+              </a:ext>
+            </a:extLst>
+          </a:blip>
+          <a:stretch>
+            <a:fillRect/>
+          </a:stretch>
+        </p:blipFill>
+        <p:spPr>
+          <a:xfrm>
+            <a:off x="9914174" y="4689636"/>
+            <a:ext cx="820247" cy="820247"/>
+          </a:xfrm>
+          <a:prstGeom prst="rect">
+            <a:avLst/>
+          </a:prstGeom>
+        </p:spPr>
+      </p:pic>
       <p:cxnSp>
         <p:nvCxnSpPr>
-          <p:cNvPr id="9" name="Straight Arrow Connector 8">
-            <a:extLst>
-              <a:ext uri="{FF2B5EF4-FFF2-40B4-BE49-F238E27FC236}">
-                <a16:creationId xmlns:a16="http://schemas.microsoft.com/office/drawing/2014/main" id="{940BD79D-44B9-4A2C-97F2-4A36CC98A093}"/>
-              </a:ext>
-            </a:extLst>
-          </p:cNvPr>
-          <p:cNvCxnSpPr/>
+          <p:cNvPr id="27" name="Straight Arrow Connector 33">
+            <a:extLst>
+              <a:ext uri="{FF2B5EF4-FFF2-40B4-BE49-F238E27FC236}">
+                <a16:creationId xmlns:a16="http://schemas.microsoft.com/office/drawing/2014/main" id="{B1DE6EA5-DDF4-42DE-9B90-64E2C3F59EFF}"/>
+              </a:ext>
+            </a:extLst>
+          </p:cNvPr>
+          <p:cNvCxnSpPr>
+            <a:cxnSpLocks/>
+            <a:endCxn id="7" idx="2"/>
+          </p:cNvCxnSpPr>
           <p:nvPr/>
         </p:nvCxnSpPr>
         <p:spPr>
-          <a:xfrm>
-            <a:off x="1603529" y="2512658"/>
-            <a:ext cx="1589103" cy="0"/>
+          <a:xfrm flipV="1">
+            <a:off x="3471169" y="3662063"/>
+            <a:ext cx="801580" cy="1087177"/>
           </a:xfrm>
           <a:prstGeom prst="straightConnector1">
             <a:avLst/>
           </a:prstGeom>
           <a:ln>
             <a:headEnd type="arrow" w="med" len="med"/>
-            <a:tailEnd type="none" w="med" len="med"/>
+            <a:tailEnd type="arrow" w="med" len="med"/>
           </a:ln>
         </p:spPr>
         <p:style>
@@ -3440,27 +3622,29 @@
       </p:cxnSp>
       <p:cxnSp>
         <p:nvCxnSpPr>
-          <p:cNvPr id="11" name="Straight Arrow Connector 10">
-            <a:extLst>
-              <a:ext uri="{FF2B5EF4-FFF2-40B4-BE49-F238E27FC236}">
-                <a16:creationId xmlns:a16="http://schemas.microsoft.com/office/drawing/2014/main" id="{BC296136-A062-4C68-830D-BB1045390A28}"/>
-              </a:ext>
-            </a:extLst>
-          </p:cNvPr>
-          <p:cNvCxnSpPr/>
+          <p:cNvPr id="31" name="Straight Arrow Connector 33">
+            <a:extLst>
+              <a:ext uri="{FF2B5EF4-FFF2-40B4-BE49-F238E27FC236}">
+                <a16:creationId xmlns:a16="http://schemas.microsoft.com/office/drawing/2014/main" id="{6B2F52F4-1DB8-4FF1-B235-E65893CB727D}"/>
+              </a:ext>
+            </a:extLst>
+          </p:cNvPr>
+          <p:cNvCxnSpPr>
+            <a:cxnSpLocks/>
+          </p:cNvCxnSpPr>
           <p:nvPr/>
         </p:nvCxnSpPr>
         <p:spPr>
           <a:xfrm>
-            <a:off x="1603529" y="2832254"/>
-            <a:ext cx="1589103" cy="0"/>
+            <a:off x="10324297" y="3480274"/>
+            <a:ext cx="0" cy="932156"/>
           </a:xfrm>
           <a:prstGeom prst="straightConnector1">
             <a:avLst/>
           </a:prstGeom>
           <a:ln>
-            <a:headEnd type="none" w="med" len="med"/>
-            <a:tailEnd type="triangle" w="med" len="med"/>
+            <a:headEnd type="arrow" w="med" len="med"/>
+            <a:tailEnd type="arrow" w="med" len="med"/>
           </a:ln>
         </p:spPr>
         <p:style>
@@ -3478,172 +3662,31 @@
           </a:fontRef>
         </p:style>
       </p:cxnSp>
-      <p:sp>
-        <p:nvSpPr>
-          <p:cNvPr id="12" name="TextBox 11">
-            <a:extLst>
-              <a:ext uri="{FF2B5EF4-FFF2-40B4-BE49-F238E27FC236}">
-                <a16:creationId xmlns:a16="http://schemas.microsoft.com/office/drawing/2014/main" id="{648E3DCD-88C9-4ECE-BD5F-979734739E65}"/>
-              </a:ext>
-            </a:extLst>
-          </p:cNvPr>
-          <p:cNvSpPr txBox="1"/>
-          <p:nvPr/>
-        </p:nvSpPr>
-        <p:spPr>
-          <a:xfrm>
-            <a:off x="1853187" y="2204881"/>
-            <a:ext cx="1089786" cy="307777"/>
-          </a:xfrm>
-          <a:prstGeom prst="rect">
-            <a:avLst/>
-          </a:prstGeom>
-          <a:noFill/>
-        </p:spPr>
-        <p:txBody>
-          <a:bodyPr wrap="none" rtlCol="0">
-            <a:spAutoFit/>
-          </a:bodyPr>
-          <a:lstStyle/>
-          <a:p>
-            <a:r>
-              <a:rPr lang="en-US" sz="1400" dirty="0"/>
-              <a:t>http request</a:t>
-            </a:r>
-          </a:p>
-        </p:txBody>
-      </p:sp>
-      <p:sp>
-        <p:nvSpPr>
-          <p:cNvPr id="14" name="TextBox 13">
-            <a:extLst>
-              <a:ext uri="{FF2B5EF4-FFF2-40B4-BE49-F238E27FC236}">
-                <a16:creationId xmlns:a16="http://schemas.microsoft.com/office/drawing/2014/main" id="{5F1C0DA5-285B-4FC3-AE8A-F7D86DCCB5C4}"/>
-              </a:ext>
-            </a:extLst>
-          </p:cNvPr>
-          <p:cNvSpPr txBox="1"/>
-          <p:nvPr/>
-        </p:nvSpPr>
-        <p:spPr>
-          <a:xfrm>
-            <a:off x="1821437" y="2864048"/>
-            <a:ext cx="1195968" cy="307777"/>
-          </a:xfrm>
-          <a:prstGeom prst="rect">
-            <a:avLst/>
-          </a:prstGeom>
-          <a:noFill/>
-        </p:spPr>
-        <p:txBody>
-          <a:bodyPr wrap="none" rtlCol="0">
-            <a:spAutoFit/>
-          </a:bodyPr>
-          <a:lstStyle/>
-          <a:p>
-            <a:r>
-              <a:rPr lang="en-US" sz="1400" dirty="0"/>
-              <a:t>http response</a:t>
-            </a:r>
-          </a:p>
-        </p:txBody>
-      </p:sp>
-      <p:sp>
-        <p:nvSpPr>
-          <p:cNvPr id="16" name="TextBox 15">
-            <a:extLst>
-              <a:ext uri="{FF2B5EF4-FFF2-40B4-BE49-F238E27FC236}">
-                <a16:creationId xmlns:a16="http://schemas.microsoft.com/office/drawing/2014/main" id="{3CB259B8-5705-4641-9147-6DA60A20B77E}"/>
-              </a:ext>
-            </a:extLst>
-          </p:cNvPr>
-          <p:cNvSpPr txBox="1"/>
-          <p:nvPr/>
-        </p:nvSpPr>
-        <p:spPr>
-          <a:xfrm>
-            <a:off x="310961" y="3796131"/>
-            <a:ext cx="1389996" cy="307777"/>
-          </a:xfrm>
-          <a:prstGeom prst="rect">
-            <a:avLst/>
-          </a:prstGeom>
-          <a:noFill/>
-        </p:spPr>
-        <p:txBody>
-          <a:bodyPr wrap="none" rtlCol="0">
-            <a:spAutoFit/>
-          </a:bodyPr>
-          <a:lstStyle/>
-          <a:p>
-            <a:r>
-              <a:rPr lang="en-US" sz="1400" dirty="0"/>
-              <a:t>Web Application</a:t>
-            </a:r>
-          </a:p>
-        </p:txBody>
-      </p:sp>
-      <p:pic>
-        <p:nvPicPr>
-          <p:cNvPr id="17" name="Picture 16">
-            <a:extLst>
-              <a:ext uri="{FF2B5EF4-FFF2-40B4-BE49-F238E27FC236}">
-                <a16:creationId xmlns:a16="http://schemas.microsoft.com/office/drawing/2014/main" id="{FD4D96B7-0828-487B-86A6-506B812DEE95}"/>
-              </a:ext>
-            </a:extLst>
-          </p:cNvPr>
-          <p:cNvPicPr/>
-          <p:nvPr/>
-        </p:nvPicPr>
-        <p:blipFill rotWithShape="1">
-          <a:blip r:embed="rId4"/>
-          <a:srcRect l="1887" t="3535" r="1853" b="2277"/>
-          <a:stretch/>
-        </p:blipFill>
-        <p:spPr bwMode="auto">
-          <a:xfrm>
-            <a:off x="1603529" y="4691954"/>
-            <a:ext cx="2100897" cy="1373385"/>
-          </a:xfrm>
-          <a:prstGeom prst="rect">
-            <a:avLst/>
-          </a:prstGeom>
-          <a:ln>
-            <a:noFill/>
-          </a:ln>
-          <a:extLst>
-            <a:ext uri="{53640926-AAD7-44D8-BBD7-CCE9431645EC}">
-              <a14:shadowObscured xmlns:a14="http://schemas.microsoft.com/office/drawing/2010/main"/>
-            </a:ext>
-          </a:extLst>
-        </p:spPr>
-      </p:pic>
       <p:cxnSp>
         <p:nvCxnSpPr>
-          <p:cNvPr id="18" name="Straight Arrow Connector 17">
-            <a:extLst>
-              <a:ext uri="{FF2B5EF4-FFF2-40B4-BE49-F238E27FC236}">
-                <a16:creationId xmlns:a16="http://schemas.microsoft.com/office/drawing/2014/main" id="{B036372A-4AFD-4605-8FD5-95FD71367C4D}"/>
+          <p:cNvPr id="35" name="Straight Arrow Connector 33">
+            <a:extLst>
+              <a:ext uri="{FF2B5EF4-FFF2-40B4-BE49-F238E27FC236}">
+                <a16:creationId xmlns:a16="http://schemas.microsoft.com/office/drawing/2014/main" id="{186E9BD6-B2B1-4ED7-8D23-9C17E0EDB015}"/>
               </a:ext>
             </a:extLst>
           </p:cNvPr>
           <p:cNvCxnSpPr>
             <a:cxnSpLocks/>
-            <a:stCxn id="7" idx="2"/>
           </p:cNvCxnSpPr>
           <p:nvPr/>
         </p:nvCxnSpPr>
         <p:spPr>
-          <a:xfrm flipH="1">
-            <a:off x="3400425" y="3662063"/>
-            <a:ext cx="872324" cy="1138537"/>
+          <a:xfrm>
+            <a:off x="1700957" y="3017936"/>
+            <a:ext cx="1383848" cy="0"/>
           </a:xfrm>
           <a:prstGeom prst="straightConnector1">
             <a:avLst/>
           </a:prstGeom>
           <a:ln>
             <a:headEnd type="arrow" w="med" len="med"/>
-            <a:tailEnd type="none" w="med" len="med"/>
+            <a:tailEnd type="arrow" w="med" len="med"/>
           </a:ln>
         </p:spPr>
         <p:style>
@@ -3663,10 +3706,10 @@
       </p:cxnSp>
       <p:sp>
         <p:nvSpPr>
-          <p:cNvPr id="19" name="TextBox 18">
-            <a:extLst>
-              <a:ext uri="{FF2B5EF4-FFF2-40B4-BE49-F238E27FC236}">
-                <a16:creationId xmlns:a16="http://schemas.microsoft.com/office/drawing/2014/main" id="{504B3171-648A-42CD-845E-1A4F6A0011CF}"/>
+          <p:cNvPr id="15" name="กล่องข้อความ 14">
+            <a:extLst>
+              <a:ext uri="{FF2B5EF4-FFF2-40B4-BE49-F238E27FC236}">
+                <a16:creationId xmlns:a16="http://schemas.microsoft.com/office/drawing/2014/main" id="{A3B358DC-0886-49C5-BCD4-C3F6E547E1E9}"/>
               </a:ext>
             </a:extLst>
           </p:cNvPr>
@@ -3674,9 +3717,9 @@
           <p:nvPr/>
         </p:nvSpPr>
         <p:spPr>
-          <a:xfrm rot="18433162">
-            <a:off x="3081499" y="4043863"/>
-            <a:ext cx="1195968" cy="307777"/>
+          <a:xfrm>
+            <a:off x="2055320" y="2714950"/>
+            <a:ext cx="675121" cy="369332"/>
           </a:xfrm>
           <a:prstGeom prst="rect">
             <a:avLst/>
@@ -3690,18 +3733,199 @@
           <a:lstStyle/>
           <a:p>
             <a:r>
-              <a:rPr lang="en-US" sz="1400" dirty="0"/>
-              <a:t>http response</a:t>
-            </a:r>
+              <a:rPr lang="en-US" dirty="0"/>
+              <a:t>HTTP</a:t>
+            </a:r>
+            <a:endParaRPr lang="th-TH" dirty="0"/>
+          </a:p>
+        </p:txBody>
+      </p:sp>
+      <p:sp>
+        <p:nvSpPr>
+          <p:cNvPr id="37" name="กล่องข้อความ 36">
+            <a:extLst>
+              <a:ext uri="{FF2B5EF4-FFF2-40B4-BE49-F238E27FC236}">
+                <a16:creationId xmlns:a16="http://schemas.microsoft.com/office/drawing/2014/main" id="{EF45EEF1-4B08-4B5F-AE3C-06736FC55D2A}"/>
+              </a:ext>
+            </a:extLst>
+          </p:cNvPr>
+          <p:cNvSpPr txBox="1"/>
+          <p:nvPr/>
+        </p:nvSpPr>
+        <p:spPr>
+          <a:xfrm>
+            <a:off x="5648901" y="2718576"/>
+            <a:ext cx="675121" cy="369332"/>
+          </a:xfrm>
+          <a:prstGeom prst="rect">
+            <a:avLst/>
+          </a:prstGeom>
+          <a:noFill/>
+        </p:spPr>
+        <p:txBody>
+          <a:bodyPr wrap="none" rtlCol="0">
+            <a:spAutoFit/>
+          </a:bodyPr>
+          <a:lstStyle/>
+          <a:p>
+            <a:r>
+              <a:rPr lang="en-US" dirty="0"/>
+              <a:t>HTTP</a:t>
+            </a:r>
+            <a:endParaRPr lang="th-TH" dirty="0"/>
+          </a:p>
+        </p:txBody>
+      </p:sp>
+      <p:sp>
+        <p:nvSpPr>
+          <p:cNvPr id="39" name="กล่องข้อความ 38">
+            <a:extLst>
+              <a:ext uri="{FF2B5EF4-FFF2-40B4-BE49-F238E27FC236}">
+                <a16:creationId xmlns:a16="http://schemas.microsoft.com/office/drawing/2014/main" id="{258322B4-7306-4A08-9FC7-D5F37E87E7E8}"/>
+              </a:ext>
+            </a:extLst>
+          </p:cNvPr>
+          <p:cNvSpPr txBox="1"/>
+          <p:nvPr/>
+        </p:nvSpPr>
+        <p:spPr>
+          <a:xfrm>
+            <a:off x="8524253" y="2691770"/>
+            <a:ext cx="675121" cy="369332"/>
+          </a:xfrm>
+          <a:prstGeom prst="rect">
+            <a:avLst/>
+          </a:prstGeom>
+          <a:noFill/>
+        </p:spPr>
+        <p:txBody>
+          <a:bodyPr wrap="none" rtlCol="0">
+            <a:spAutoFit/>
+          </a:bodyPr>
+          <a:lstStyle/>
+          <a:p>
+            <a:r>
+              <a:rPr lang="en-US" dirty="0"/>
+              <a:t>HTTP</a:t>
+            </a:r>
+            <a:endParaRPr lang="th-TH" dirty="0"/>
+          </a:p>
+        </p:txBody>
+      </p:sp>
+      <p:sp>
+        <p:nvSpPr>
+          <p:cNvPr id="41" name="กล่องข้อความ 40">
+            <a:extLst>
+              <a:ext uri="{FF2B5EF4-FFF2-40B4-BE49-F238E27FC236}">
+                <a16:creationId xmlns:a16="http://schemas.microsoft.com/office/drawing/2014/main" id="{7AD36432-C0EA-4DB6-B401-2C2C6F25DEFE}"/>
+              </a:ext>
+            </a:extLst>
+          </p:cNvPr>
+          <p:cNvSpPr txBox="1"/>
+          <p:nvPr/>
+        </p:nvSpPr>
+        <p:spPr>
+          <a:xfrm>
+            <a:off x="3196838" y="3878769"/>
+            <a:ext cx="675121" cy="369332"/>
+          </a:xfrm>
+          <a:prstGeom prst="rect">
+            <a:avLst/>
+          </a:prstGeom>
+          <a:noFill/>
+        </p:spPr>
+        <p:txBody>
+          <a:bodyPr wrap="none" rtlCol="0">
+            <a:spAutoFit/>
+          </a:bodyPr>
+          <a:lstStyle/>
+          <a:p>
+            <a:r>
+              <a:rPr lang="en-US" dirty="0"/>
+              <a:t>HTTP</a:t>
+            </a:r>
+            <a:endParaRPr lang="th-TH" dirty="0"/>
+          </a:p>
+        </p:txBody>
+      </p:sp>
+      <p:pic>
+        <p:nvPicPr>
+          <p:cNvPr id="43" name="รูปภาพ 42">
+            <a:extLst>
+              <a:ext uri="{FF2B5EF4-FFF2-40B4-BE49-F238E27FC236}">
+                <a16:creationId xmlns:a16="http://schemas.microsoft.com/office/drawing/2014/main" id="{58B5A239-9F4E-4F71-94EF-E19247916FFE}"/>
+              </a:ext>
+            </a:extLst>
+          </p:cNvPr>
+          <p:cNvPicPr>
+            <a:picLocks noChangeAspect="1"/>
+          </p:cNvPicPr>
+          <p:nvPr/>
+        </p:nvPicPr>
+        <p:blipFill>
+          <a:blip r:embed="rId9">
+            <a:extLst>
+              <a:ext uri="{28A0092B-C50C-407E-A947-70E740481C1C}">
+                <a14:useLocalDpi xmlns:a14="http://schemas.microsoft.com/office/drawing/2010/main" val="0"/>
+              </a:ext>
+            </a:extLst>
+          </a:blip>
+          <a:stretch>
+            <a:fillRect/>
+          </a:stretch>
+        </p:blipFill>
+        <p:spPr>
+          <a:xfrm>
+            <a:off x="6480715" y="1970753"/>
+            <a:ext cx="2017509" cy="2017509"/>
+          </a:xfrm>
+          <a:prstGeom prst="rect">
+            <a:avLst/>
+          </a:prstGeom>
+        </p:spPr>
+      </p:pic>
+      <p:sp>
+        <p:nvSpPr>
+          <p:cNvPr id="45" name="กล่องข้อความ 44">
+            <a:extLst>
+              <a:ext uri="{FF2B5EF4-FFF2-40B4-BE49-F238E27FC236}">
+                <a16:creationId xmlns:a16="http://schemas.microsoft.com/office/drawing/2014/main" id="{E3FB0DEA-A642-4809-8B69-5C53374F08FF}"/>
+              </a:ext>
+            </a:extLst>
+          </p:cNvPr>
+          <p:cNvSpPr txBox="1"/>
+          <p:nvPr/>
+        </p:nvSpPr>
+        <p:spPr>
+          <a:xfrm>
+            <a:off x="7016935" y="3839747"/>
+            <a:ext cx="945067" cy="369332"/>
+          </a:xfrm>
+          <a:prstGeom prst="rect">
+            <a:avLst/>
+          </a:prstGeom>
+          <a:noFill/>
+        </p:spPr>
+        <p:txBody>
+          <a:bodyPr wrap="none" rtlCol="0">
+            <a:spAutoFit/>
+          </a:bodyPr>
+          <a:lstStyle/>
+          <a:p>
+            <a:r>
+              <a:rPr lang="en-US" dirty="0"/>
+              <a:t>Internet</a:t>
+            </a:r>
+            <a:endParaRPr lang="th-TH" dirty="0"/>
           </a:p>
         </p:txBody>
       </p:sp>
       <p:cxnSp>
         <p:nvCxnSpPr>
-          <p:cNvPr id="24" name="Straight Arrow Connector 23">
-            <a:extLst>
-              <a:ext uri="{FF2B5EF4-FFF2-40B4-BE49-F238E27FC236}">
-                <a16:creationId xmlns:a16="http://schemas.microsoft.com/office/drawing/2014/main" id="{9192E51D-08F3-4AFD-892C-045B2856E117}"/>
+          <p:cNvPr id="34" name="Straight Arrow Connector 33">
+            <a:extLst>
+              <a:ext uri="{FF2B5EF4-FFF2-40B4-BE49-F238E27FC236}">
+                <a16:creationId xmlns:a16="http://schemas.microsoft.com/office/drawing/2014/main" id="{84571800-1D02-4207-8482-D2CF97B38A80}"/>
               </a:ext>
             </a:extLst>
           </p:cNvPr>
@@ -3711,15 +3935,15 @@
           <p:nvPr/>
         </p:nvCxnSpPr>
         <p:spPr>
-          <a:xfrm flipH="1">
-            <a:off x="3552825" y="3814463"/>
-            <a:ext cx="872324" cy="1138537"/>
+          <a:xfrm>
+            <a:off x="5400675" y="3017936"/>
+            <a:ext cx="1171575" cy="0"/>
           </a:xfrm>
           <a:prstGeom prst="straightConnector1">
             <a:avLst/>
           </a:prstGeom>
           <a:ln>
-            <a:headEnd type="none" w="med" len="med"/>
+            <a:headEnd type="arrow" w="med" len="med"/>
             <a:tailEnd type="arrow" w="med" len="med"/>
           </a:ln>
         </p:spPr>
@@ -3738,164 +3962,24 @@
           </a:fontRef>
         </p:style>
       </p:cxnSp>
-      <p:sp>
-        <p:nvSpPr>
-          <p:cNvPr id="26" name="TextBox 25">
-            <a:extLst>
-              <a:ext uri="{FF2B5EF4-FFF2-40B4-BE49-F238E27FC236}">
-                <a16:creationId xmlns:a16="http://schemas.microsoft.com/office/drawing/2014/main" id="{C8454525-C31F-4666-AE3F-FF426FB66BEF}"/>
-              </a:ext>
-            </a:extLst>
-          </p:cNvPr>
-          <p:cNvSpPr txBox="1"/>
-          <p:nvPr/>
-        </p:nvSpPr>
-        <p:spPr>
-          <a:xfrm rot="18370409">
-            <a:off x="3519894" y="4326817"/>
-            <a:ext cx="1089786" cy="307777"/>
-          </a:xfrm>
-          <a:prstGeom prst="rect">
-            <a:avLst/>
-          </a:prstGeom>
-          <a:noFill/>
-        </p:spPr>
-        <p:txBody>
-          <a:bodyPr wrap="none" rtlCol="0">
-            <a:spAutoFit/>
-          </a:bodyPr>
-          <a:lstStyle/>
-          <a:p>
-            <a:r>
-              <a:rPr lang="en-US" sz="1400" dirty="0"/>
-              <a:t>http request</a:t>
-            </a:r>
-          </a:p>
-        </p:txBody>
-      </p:sp>
-      <p:sp>
-        <p:nvSpPr>
-          <p:cNvPr id="28" name="TextBox 27">
-            <a:extLst>
-              <a:ext uri="{FF2B5EF4-FFF2-40B4-BE49-F238E27FC236}">
-                <a16:creationId xmlns:a16="http://schemas.microsoft.com/office/drawing/2014/main" id="{62CADB97-8D5C-4C33-9E9F-CF84D518B23E}"/>
-              </a:ext>
-            </a:extLst>
-          </p:cNvPr>
-          <p:cNvSpPr txBox="1"/>
-          <p:nvPr/>
-        </p:nvSpPr>
-        <p:spPr>
-          <a:xfrm>
-            <a:off x="2290331" y="6065339"/>
-            <a:ext cx="866904" cy="307777"/>
-          </a:xfrm>
-          <a:prstGeom prst="rect">
-            <a:avLst/>
-          </a:prstGeom>
-          <a:noFill/>
-        </p:spPr>
-        <p:txBody>
-          <a:bodyPr wrap="none" rtlCol="0">
-            <a:spAutoFit/>
-          </a:bodyPr>
-          <a:lstStyle/>
-          <a:p>
-            <a:r>
-              <a:rPr lang="en-US" sz="1400" dirty="0"/>
-              <a:t>Database</a:t>
-            </a:r>
-          </a:p>
-        </p:txBody>
-      </p:sp>
-      <p:pic>
-        <p:nvPicPr>
-          <p:cNvPr id="30" name="Picture 29">
-            <a:extLst>
-              <a:ext uri="{FF2B5EF4-FFF2-40B4-BE49-F238E27FC236}">
-                <a16:creationId xmlns:a16="http://schemas.microsoft.com/office/drawing/2014/main" id="{9A28681B-8406-4F57-9CD8-CCDF240E2AB9}"/>
-              </a:ext>
-            </a:extLst>
-          </p:cNvPr>
-          <p:cNvPicPr>
-            <a:picLocks noChangeAspect="1"/>
-          </p:cNvPicPr>
-          <p:nvPr/>
-        </p:nvPicPr>
-        <p:blipFill>
-          <a:blip r:embed="rId5">
-            <a:extLst>
-              <a:ext uri="{28A0092B-C50C-407E-A947-70E740481C1C}">
-                <a14:useLocalDpi xmlns:a14="http://schemas.microsoft.com/office/drawing/2010/main" val="0"/>
-              </a:ext>
-            </a:extLst>
-          </a:blip>
-          <a:stretch>
-            <a:fillRect/>
-          </a:stretch>
-        </p:blipFill>
-        <p:spPr>
-          <a:xfrm>
-            <a:off x="6684327" y="1876185"/>
-            <a:ext cx="1912138" cy="1912138"/>
-          </a:xfrm>
-          <a:prstGeom prst="rect">
-            <a:avLst/>
-          </a:prstGeom>
-        </p:spPr>
-      </p:pic>
-      <p:pic>
-        <p:nvPicPr>
-          <p:cNvPr id="32" name="Picture 31">
-            <a:extLst>
-              <a:ext uri="{FF2B5EF4-FFF2-40B4-BE49-F238E27FC236}">
-                <a16:creationId xmlns:a16="http://schemas.microsoft.com/office/drawing/2014/main" id="{23FDF476-D92C-4899-8581-3DB3475001BD}"/>
-              </a:ext>
-            </a:extLst>
-          </p:cNvPr>
-          <p:cNvPicPr>
-            <a:picLocks noChangeAspect="1"/>
-          </p:cNvPicPr>
-          <p:nvPr/>
-        </p:nvPicPr>
-        <p:blipFill>
-          <a:blip r:embed="rId6">
-            <a:extLst>
-              <a:ext uri="{28A0092B-C50C-407E-A947-70E740481C1C}">
-                <a14:useLocalDpi xmlns:a14="http://schemas.microsoft.com/office/drawing/2010/main" val="0"/>
-              </a:ext>
-            </a:extLst>
-          </a:blip>
-          <a:stretch>
-            <a:fillRect/>
-          </a:stretch>
-        </p:blipFill>
-        <p:spPr>
-          <a:xfrm>
-            <a:off x="7067225" y="2691666"/>
-            <a:ext cx="1146342" cy="526417"/>
-          </a:xfrm>
-          <a:prstGeom prst="rect">
-            <a:avLst/>
-          </a:prstGeom>
-        </p:spPr>
-      </p:pic>
       <p:cxnSp>
         <p:nvCxnSpPr>
-          <p:cNvPr id="34" name="Straight Arrow Connector 33">
-            <a:extLst>
-              <a:ext uri="{FF2B5EF4-FFF2-40B4-BE49-F238E27FC236}">
-                <a16:creationId xmlns:a16="http://schemas.microsoft.com/office/drawing/2014/main" id="{84571800-1D02-4207-8482-D2CF97B38A80}"/>
-              </a:ext>
-            </a:extLst>
-          </p:cNvPr>
-          <p:cNvCxnSpPr/>
+          <p:cNvPr id="46" name="Straight Arrow Connector 33">
+            <a:extLst>
+              <a:ext uri="{FF2B5EF4-FFF2-40B4-BE49-F238E27FC236}">
+                <a16:creationId xmlns:a16="http://schemas.microsoft.com/office/drawing/2014/main" id="{AD922675-493C-498F-9A73-B078F4A68C6B}"/>
+              </a:ext>
+            </a:extLst>
+          </p:cNvPr>
+          <p:cNvCxnSpPr>
+            <a:cxnSpLocks/>
+          </p:cNvCxnSpPr>
           <p:nvPr/>
         </p:nvCxnSpPr>
         <p:spPr>
           <a:xfrm>
-            <a:off x="5400675" y="3017936"/>
-            <a:ext cx="1171575" cy="0"/>
+            <a:off x="8320207" y="2979507"/>
+            <a:ext cx="1025278" cy="0"/>
           </a:xfrm>
           <a:prstGeom prst="straightConnector1">
             <a:avLst/>
@@ -3920,84 +4004,12 @@
           </a:fontRef>
         </p:style>
       </p:cxnSp>
-      <p:pic>
-        <p:nvPicPr>
-          <p:cNvPr id="40" name="Picture 39">
-            <a:extLst>
-              <a:ext uri="{FF2B5EF4-FFF2-40B4-BE49-F238E27FC236}">
-                <a16:creationId xmlns:a16="http://schemas.microsoft.com/office/drawing/2014/main" id="{9062642E-67FB-438F-9931-05D8FC1CB737}"/>
-              </a:ext>
-            </a:extLst>
-          </p:cNvPr>
-          <p:cNvPicPr>
-            <a:picLocks noChangeAspect="1"/>
-          </p:cNvPicPr>
-          <p:nvPr/>
-        </p:nvPicPr>
-        <p:blipFill>
-          <a:blip r:embed="rId7">
-            <a:extLst>
-              <a:ext uri="{28A0092B-C50C-407E-A947-70E740481C1C}">
-                <a14:useLocalDpi xmlns:a14="http://schemas.microsoft.com/office/drawing/2010/main" val="0"/>
-              </a:ext>
-            </a:extLst>
-          </a:blip>
-          <a:stretch>
-            <a:fillRect/>
-          </a:stretch>
-        </p:blipFill>
-        <p:spPr>
-          <a:xfrm>
-            <a:off x="6461971" y="4307705"/>
-            <a:ext cx="2630765" cy="1912138"/>
-          </a:xfrm>
-          <a:prstGeom prst="rect">
-            <a:avLst/>
-          </a:prstGeom>
-        </p:spPr>
-      </p:pic>
-      <p:pic>
-        <p:nvPicPr>
-          <p:cNvPr id="38" name="Picture 37">
-            <a:extLst>
-              <a:ext uri="{FF2B5EF4-FFF2-40B4-BE49-F238E27FC236}">
-                <a16:creationId xmlns:a16="http://schemas.microsoft.com/office/drawing/2014/main" id="{048EA44D-61D7-43EE-AA6E-658DB8C32A15}"/>
-              </a:ext>
-            </a:extLst>
-          </p:cNvPr>
-          <p:cNvPicPr>
-            <a:picLocks noChangeAspect="1"/>
-          </p:cNvPicPr>
-          <p:nvPr/>
-        </p:nvPicPr>
-        <p:blipFill>
-          <a:blip r:embed="rId8">
-            <a:extLst>
-              <a:ext uri="{28A0092B-C50C-407E-A947-70E740481C1C}">
-                <a14:useLocalDpi xmlns:a14="http://schemas.microsoft.com/office/drawing/2010/main" val="0"/>
-              </a:ext>
-            </a:extLst>
-          </a:blip>
-          <a:stretch>
-            <a:fillRect/>
-          </a:stretch>
-        </p:blipFill>
-        <p:spPr>
-          <a:xfrm>
-            <a:off x="7341378" y="4749240"/>
-            <a:ext cx="820247" cy="820247"/>
-          </a:xfrm>
-          <a:prstGeom prst="rect">
-            <a:avLst/>
-          </a:prstGeom>
-        </p:spPr>
-      </p:pic>
-      <p:sp>
-        <p:nvSpPr>
-          <p:cNvPr id="42" name="TextBox 41">
-            <a:extLst>
-              <a:ext uri="{FF2B5EF4-FFF2-40B4-BE49-F238E27FC236}">
-                <a16:creationId xmlns:a16="http://schemas.microsoft.com/office/drawing/2014/main" id="{36C76DB4-2CF8-45BA-9CBE-5ABA1F1EA145}"/>
+      <p:sp>
+        <p:nvSpPr>
+          <p:cNvPr id="47" name="กล่องข้อความ 46">
+            <a:extLst>
+              <a:ext uri="{FF2B5EF4-FFF2-40B4-BE49-F238E27FC236}">
+                <a16:creationId xmlns:a16="http://schemas.microsoft.com/office/drawing/2014/main" id="{0CED4869-4531-4215-8E2C-83B37D43FA6D}"/>
               </a:ext>
             </a:extLst>
           </p:cNvPr>
@@ -4006,8 +4018,8 @@
         </p:nvSpPr>
         <p:spPr>
           <a:xfrm>
-            <a:off x="7473455" y="6065338"/>
-            <a:ext cx="607795" cy="307777"/>
+            <a:off x="10350148" y="3770416"/>
+            <a:ext cx="675121" cy="369332"/>
           </a:xfrm>
           <a:prstGeom prst="rect">
             <a:avLst/>
@@ -4021,60 +4033,19 @@
           <a:lstStyle/>
           <a:p>
             <a:r>
-              <a:rPr lang="en-US" sz="1400" dirty="0"/>
-              <a:t>Client</a:t>
-            </a:r>
-          </a:p>
-        </p:txBody>
-      </p:sp>
-      <p:cxnSp>
-        <p:nvCxnSpPr>
-          <p:cNvPr id="48" name="Straight Arrow Connector 47">
-            <a:extLst>
-              <a:ext uri="{FF2B5EF4-FFF2-40B4-BE49-F238E27FC236}">
-                <a16:creationId xmlns:a16="http://schemas.microsoft.com/office/drawing/2014/main" id="{D211CE09-CC7F-4096-8580-99DD3E1EFC0B}"/>
-              </a:ext>
-            </a:extLst>
-          </p:cNvPr>
-          <p:cNvCxnSpPr>
-            <a:cxnSpLocks/>
-          </p:cNvCxnSpPr>
-          <p:nvPr/>
-        </p:nvCxnSpPr>
-        <p:spPr>
-          <a:xfrm>
-            <a:off x="7473455" y="3562380"/>
-            <a:ext cx="0" cy="974502"/>
-          </a:xfrm>
-          <a:prstGeom prst="straightConnector1">
-            <a:avLst/>
-          </a:prstGeom>
-          <a:ln>
-            <a:headEnd type="arrow" w="med" len="med"/>
-            <a:tailEnd type="none" w="med" len="med"/>
-          </a:ln>
-        </p:spPr>
-        <p:style>
-          <a:lnRef idx="3">
-            <a:schemeClr val="dk1"/>
-          </a:lnRef>
-          <a:fillRef idx="0">
-            <a:schemeClr val="dk1"/>
-          </a:fillRef>
-          <a:effectRef idx="2">
-            <a:schemeClr val="dk1"/>
-          </a:effectRef>
-          <a:fontRef idx="minor">
-            <a:schemeClr val="tx1"/>
-          </a:fontRef>
-        </p:style>
-      </p:cxnSp>
-      <p:sp>
-        <p:nvSpPr>
-          <p:cNvPr id="49" name="TextBox 48">
-            <a:extLst>
-              <a:ext uri="{FF2B5EF4-FFF2-40B4-BE49-F238E27FC236}">
-                <a16:creationId xmlns:a16="http://schemas.microsoft.com/office/drawing/2014/main" id="{F6ADBD99-1DFF-4498-9FF0-55F33E5F4037}"/>
+              <a:rPr lang="en-US" dirty="0"/>
+              <a:t>HTTP</a:t>
+            </a:r>
+            <a:endParaRPr lang="th-TH" dirty="0"/>
+          </a:p>
+        </p:txBody>
+      </p:sp>
+      <p:sp>
+        <p:nvSpPr>
+          <p:cNvPr id="25" name="กล่องข้อความ 24">
+            <a:extLst>
+              <a:ext uri="{FF2B5EF4-FFF2-40B4-BE49-F238E27FC236}">
+                <a16:creationId xmlns:a16="http://schemas.microsoft.com/office/drawing/2014/main" id="{8A6C453C-2159-4272-B06B-072FCA6F95B5}"/>
               </a:ext>
             </a:extLst>
           </p:cNvPr>
@@ -4082,9 +4053,9 @@
           <p:nvPr/>
         </p:nvSpPr>
         <p:spPr>
-          <a:xfrm rot="16200000">
-            <a:off x="6739334" y="3944279"/>
-            <a:ext cx="1089786" cy="307777"/>
+          <a:xfrm>
+            <a:off x="3599488" y="1601421"/>
+            <a:ext cx="1346522" cy="369332"/>
           </a:xfrm>
           <a:prstGeom prst="rect">
             <a:avLst/>
@@ -4098,18 +4069,19 @@
           <a:lstStyle/>
           <a:p>
             <a:r>
-              <a:rPr lang="en-US" sz="1400" dirty="0"/>
-              <a:t>http request</a:t>
-            </a:r>
-          </a:p>
-        </p:txBody>
-      </p:sp>
-      <p:sp>
-        <p:nvSpPr>
-          <p:cNvPr id="50" name="TextBox 49">
-            <a:extLst>
-              <a:ext uri="{FF2B5EF4-FFF2-40B4-BE49-F238E27FC236}">
-                <a16:creationId xmlns:a16="http://schemas.microsoft.com/office/drawing/2014/main" id="{86EC0153-E462-4984-B65E-09DCEF603851}"/>
+              <a:rPr lang="en-US" dirty="0"/>
+              <a:t>Access Point</a:t>
+            </a:r>
+            <a:endParaRPr lang="th-TH" dirty="0"/>
+          </a:p>
+        </p:txBody>
+      </p:sp>
+      <p:sp>
+        <p:nvSpPr>
+          <p:cNvPr id="26" name="กล่องข้อความ 25">
+            <a:extLst>
+              <a:ext uri="{FF2B5EF4-FFF2-40B4-BE49-F238E27FC236}">
+                <a16:creationId xmlns:a16="http://schemas.microsoft.com/office/drawing/2014/main" id="{0EFAA236-9D9C-4EEF-A092-BD1C5E5E98DB}"/>
               </a:ext>
             </a:extLst>
           </p:cNvPr>
@@ -4117,9 +4089,9 @@
           <p:nvPr/>
         </p:nvSpPr>
         <p:spPr>
-          <a:xfrm rot="16200000">
-            <a:off x="7480324" y="3906925"/>
-            <a:ext cx="1195968" cy="307777"/>
+          <a:xfrm>
+            <a:off x="343757" y="3803596"/>
+            <a:ext cx="1272528" cy="369332"/>
           </a:xfrm>
           <a:prstGeom prst="rect">
             <a:avLst/>
@@ -4133,60 +4105,19 @@
           <a:lstStyle/>
           <a:p>
             <a:r>
-              <a:rPr lang="en-US" sz="1400" dirty="0"/>
-              <a:t>http response</a:t>
-            </a:r>
-          </a:p>
-        </p:txBody>
-      </p:sp>
-      <p:cxnSp>
-        <p:nvCxnSpPr>
-          <p:cNvPr id="56" name="Straight Arrow Connector 55">
-            <a:extLst>
-              <a:ext uri="{FF2B5EF4-FFF2-40B4-BE49-F238E27FC236}">
-                <a16:creationId xmlns:a16="http://schemas.microsoft.com/office/drawing/2014/main" id="{875FCE26-7BCF-4147-B4D8-6AB8D550B883}"/>
-              </a:ext>
-            </a:extLst>
-          </p:cNvPr>
-          <p:cNvCxnSpPr>
-            <a:cxnSpLocks/>
-          </p:cNvCxnSpPr>
-          <p:nvPr/>
-        </p:nvCxnSpPr>
-        <p:spPr>
-          <a:xfrm>
-            <a:off x="7883030" y="3562380"/>
-            <a:ext cx="0" cy="974502"/>
-          </a:xfrm>
-          <a:prstGeom prst="straightConnector1">
-            <a:avLst/>
-          </a:prstGeom>
-          <a:ln>
-            <a:headEnd type="none" w="med" len="med"/>
-            <a:tailEnd type="arrow" w="med" len="med"/>
-          </a:ln>
-        </p:spPr>
-        <p:style>
-          <a:lnRef idx="3">
-            <a:schemeClr val="dk1"/>
-          </a:lnRef>
-          <a:fillRef idx="0">
-            <a:schemeClr val="dk1"/>
-          </a:fillRef>
-          <a:effectRef idx="2">
-            <a:schemeClr val="dk1"/>
-          </a:effectRef>
-          <a:fontRef idx="minor">
-            <a:schemeClr val="tx1"/>
-          </a:fontRef>
-        </p:style>
-      </p:cxnSp>
-      <p:sp>
-        <p:nvSpPr>
-          <p:cNvPr id="60" name="TextBox 59">
-            <a:extLst>
-              <a:ext uri="{FF2B5EF4-FFF2-40B4-BE49-F238E27FC236}">
-                <a16:creationId xmlns:a16="http://schemas.microsoft.com/office/drawing/2014/main" id="{1C52E5FD-B586-45A4-B68E-8404B6793D54}"/>
+              <a:rPr lang="en-US" dirty="0"/>
+              <a:t>Web Server</a:t>
+            </a:r>
+            <a:endParaRPr lang="th-TH" dirty="0"/>
+          </a:p>
+        </p:txBody>
+      </p:sp>
+      <p:sp>
+        <p:nvSpPr>
+          <p:cNvPr id="29" name="กล่องข้อความ 28">
+            <a:extLst>
+              <a:ext uri="{FF2B5EF4-FFF2-40B4-BE49-F238E27FC236}">
+                <a16:creationId xmlns:a16="http://schemas.microsoft.com/office/drawing/2014/main" id="{191E045C-2911-4BE1-A67B-C613CDF3B99A}"/>
               </a:ext>
             </a:extLst>
           </p:cNvPr>
@@ -4195,8 +4126,8 @@
         </p:nvSpPr>
         <p:spPr>
           <a:xfrm>
-            <a:off x="3742526" y="1597157"/>
-            <a:ext cx="1089914" cy="307777"/>
+            <a:off x="2267461" y="6034561"/>
+            <a:ext cx="1058175" cy="369332"/>
           </a:xfrm>
           <a:prstGeom prst="rect">
             <a:avLst/>
@@ -4210,9 +4141,46 @@
           <a:lstStyle/>
           <a:p>
             <a:r>
-              <a:rPr lang="en-US" sz="1400" dirty="0"/>
-              <a:t>Access Point</a:t>
-            </a:r>
+              <a:rPr lang="en-US" dirty="0"/>
+              <a:t>Database</a:t>
+            </a:r>
+            <a:endParaRPr lang="th-TH" dirty="0"/>
+          </a:p>
+        </p:txBody>
+      </p:sp>
+      <p:sp>
+        <p:nvSpPr>
+          <p:cNvPr id="33" name="กล่องข้อความ 32">
+            <a:extLst>
+              <a:ext uri="{FF2B5EF4-FFF2-40B4-BE49-F238E27FC236}">
+                <a16:creationId xmlns:a16="http://schemas.microsoft.com/office/drawing/2014/main" id="{36E26348-D629-45F9-BDA2-A5E000E89D0E}"/>
+              </a:ext>
+            </a:extLst>
+          </p:cNvPr>
+          <p:cNvSpPr txBox="1"/>
+          <p:nvPr/>
+        </p:nvSpPr>
+        <p:spPr>
+          <a:xfrm>
+            <a:off x="10046942" y="5899260"/>
+            <a:ext cx="725968" cy="369332"/>
+          </a:xfrm>
+          <a:prstGeom prst="rect">
+            <a:avLst/>
+          </a:prstGeom>
+          <a:noFill/>
+        </p:spPr>
+        <p:txBody>
+          <a:bodyPr wrap="none" rtlCol="0">
+            <a:spAutoFit/>
+          </a:bodyPr>
+          <a:lstStyle/>
+          <a:p>
+            <a:r>
+              <a:rPr lang="en-US" dirty="0"/>
+              <a:t>Client</a:t>
+            </a:r>
+            <a:endParaRPr lang="th-TH" dirty="0"/>
           </a:p>
         </p:txBody>
       </p:sp>
